--- a/extras/media/mpu.pptx
+++ b/extras/media/mpu.pptx
@@ -64,7 +64,7 @@
         <p:spPr>
           <a:xfrm>
             <a:off x="504000" y="301320"/>
-            <a:ext cx="9071280" cy="1261800"/>
+            <a:ext cx="9070920" cy="1261440"/>
           </a:xfrm>
           <a:prstGeom prst="rect">
             <a:avLst/>
@@ -73,7 +73,8 @@
         <p:txBody>
           <a:bodyPr lIns="0" rIns="0" tIns="0" bIns="0" anchor="ctr"/>
           <a:p>
-            <a:endParaRPr b="0" lang="en-US" sz="1800" spc="-1" strike="noStrike">
+            <a:pPr algn="ctr"/>
+            <a:endParaRPr b="0" lang="en-US" sz="4400" spc="-1" strike="noStrike">
               <a:solidFill>
                 <a:srgbClr val="000000"/>
               </a:solidFill>
@@ -100,7 +101,7 @@
         <p:spPr>
           <a:xfrm>
             <a:off x="504000" y="1768680"/>
-            <a:ext cx="9072000" cy="2090880"/>
+            <a:ext cx="9071640" cy="2090880"/>
           </a:xfrm>
           <a:prstGeom prst="rect">
             <a:avLst/>
@@ -109,7 +110,7 @@
         <p:txBody>
           <a:bodyPr lIns="0" rIns="0" tIns="0" bIns="0"/>
           <a:p>
-            <a:endParaRPr b="0" lang="en-US" sz="2800" spc="-1" strike="noStrike">
+            <a:endParaRPr b="0" lang="en-US" sz="3200" spc="-1" strike="noStrike">
               <a:solidFill>
                 <a:srgbClr val="000000"/>
               </a:solidFill>
@@ -136,7 +137,7 @@
         <p:spPr>
           <a:xfrm>
             <a:off x="504000" y="4058640"/>
-            <a:ext cx="9072000" cy="2090880"/>
+            <a:ext cx="9071640" cy="2090880"/>
           </a:xfrm>
           <a:prstGeom prst="rect">
             <a:avLst/>
@@ -145,7 +146,7 @@
         <p:txBody>
           <a:bodyPr lIns="0" rIns="0" tIns="0" bIns="0"/>
           <a:p>
-            <a:endParaRPr b="0" lang="en-US" sz="2800" spc="-1" strike="noStrike">
+            <a:endParaRPr b="0" lang="en-US" sz="3200" spc="-1" strike="noStrike">
               <a:solidFill>
                 <a:srgbClr val="000000"/>
               </a:solidFill>
@@ -194,7 +195,7 @@
         <p:spPr>
           <a:xfrm>
             <a:off x="504000" y="301320"/>
-            <a:ext cx="9071280" cy="1261800"/>
+            <a:ext cx="9070920" cy="1261440"/>
           </a:xfrm>
           <a:prstGeom prst="rect">
             <a:avLst/>
@@ -203,7 +204,8 @@
         <p:txBody>
           <a:bodyPr lIns="0" rIns="0" tIns="0" bIns="0" anchor="ctr"/>
           <a:p>
-            <a:endParaRPr b="0" lang="en-US" sz="1800" spc="-1" strike="noStrike">
+            <a:pPr algn="ctr"/>
+            <a:endParaRPr b="0" lang="en-US" sz="4400" spc="-1" strike="noStrike">
               <a:solidFill>
                 <a:srgbClr val="000000"/>
               </a:solidFill>
@@ -239,7 +241,7 @@
         <p:txBody>
           <a:bodyPr lIns="0" rIns="0" tIns="0" bIns="0"/>
           <a:p>
-            <a:endParaRPr b="0" lang="en-US" sz="2800" spc="-1" strike="noStrike">
+            <a:endParaRPr b="0" lang="en-US" sz="3200" spc="-1" strike="noStrike">
               <a:solidFill>
                 <a:srgbClr val="000000"/>
               </a:solidFill>
@@ -275,7 +277,7 @@
         <p:txBody>
           <a:bodyPr lIns="0" rIns="0" tIns="0" bIns="0"/>
           <a:p>
-            <a:endParaRPr b="0" lang="en-US" sz="2800" spc="-1" strike="noStrike">
+            <a:endParaRPr b="0" lang="en-US" sz="3200" spc="-1" strike="noStrike">
               <a:solidFill>
                 <a:srgbClr val="000000"/>
               </a:solidFill>
@@ -311,7 +313,7 @@
         <p:txBody>
           <a:bodyPr lIns="0" rIns="0" tIns="0" bIns="0"/>
           <a:p>
-            <a:endParaRPr b="0" lang="en-US" sz="2800" spc="-1" strike="noStrike">
+            <a:endParaRPr b="0" lang="en-US" sz="3200" spc="-1" strike="noStrike">
               <a:solidFill>
                 <a:srgbClr val="000000"/>
               </a:solidFill>
@@ -347,7 +349,7 @@
         <p:txBody>
           <a:bodyPr lIns="0" rIns="0" tIns="0" bIns="0"/>
           <a:p>
-            <a:endParaRPr b="0" lang="en-US" sz="2800" spc="-1" strike="noStrike">
+            <a:endParaRPr b="0" lang="en-US" sz="3200" spc="-1" strike="noStrike">
               <a:solidFill>
                 <a:srgbClr val="000000"/>
               </a:solidFill>
@@ -396,7 +398,7 @@
         <p:spPr>
           <a:xfrm>
             <a:off x="504000" y="301320"/>
-            <a:ext cx="9071280" cy="1261800"/>
+            <a:ext cx="9070920" cy="1261440"/>
           </a:xfrm>
           <a:prstGeom prst="rect">
             <a:avLst/>
@@ -405,7 +407,8 @@
         <p:txBody>
           <a:bodyPr lIns="0" rIns="0" tIns="0" bIns="0" anchor="ctr"/>
           <a:p>
-            <a:endParaRPr b="0" lang="en-US" sz="1800" spc="-1" strike="noStrike">
+            <a:pPr algn="ctr"/>
+            <a:endParaRPr b="0" lang="en-US" sz="4400" spc="-1" strike="noStrike">
               <a:solidFill>
                 <a:srgbClr val="000000"/>
               </a:solidFill>
@@ -432,7 +435,7 @@
         <p:spPr>
           <a:xfrm>
             <a:off x="504000" y="1768680"/>
-            <a:ext cx="9072000" cy="4384080"/>
+            <a:ext cx="9071640" cy="4383720"/>
           </a:xfrm>
           <a:prstGeom prst="rect">
             <a:avLst/>
@@ -441,7 +444,7 @@
         <p:txBody>
           <a:bodyPr lIns="0" rIns="0" tIns="0" bIns="0"/>
           <a:p>
-            <a:endParaRPr b="0" lang="en-US" sz="2800" spc="-1" strike="noStrike">
+            <a:endParaRPr b="0" lang="en-US" sz="3200" spc="-1" strike="noStrike">
               <a:solidFill>
                 <a:srgbClr val="000000"/>
               </a:solidFill>
@@ -468,7 +471,7 @@
         <p:spPr>
           <a:xfrm>
             <a:off x="504000" y="1768680"/>
-            <a:ext cx="9072000" cy="4384080"/>
+            <a:ext cx="9071640" cy="4383720"/>
           </a:xfrm>
           <a:prstGeom prst="rect">
             <a:avLst/>
@@ -477,7 +480,7 @@
         <p:txBody>
           <a:bodyPr lIns="0" rIns="0" tIns="0" bIns="0"/>
           <a:p>
-            <a:endParaRPr b="0" lang="en-US" sz="2800" spc="-1" strike="noStrike">
+            <a:endParaRPr b="0" lang="en-US" sz="3200" spc="-1" strike="noStrike">
               <a:solidFill>
                 <a:srgbClr val="000000"/>
               </a:solidFill>
@@ -503,8 +506,8 @@
         </p:blipFill>
         <p:spPr>
           <a:xfrm>
-            <a:off x="2292480" y="1768680"/>
-            <a:ext cx="5494680" cy="4384080"/>
+            <a:off x="2292480" y="1768320"/>
+            <a:ext cx="5494320" cy="4383720"/>
           </a:xfrm>
           <a:prstGeom prst="rect">
             <a:avLst/>
@@ -526,8 +529,8 @@
         </p:blipFill>
         <p:spPr>
           <a:xfrm>
-            <a:off x="2292480" y="1768680"/>
-            <a:ext cx="5494680" cy="4384080"/>
+            <a:off x="2292480" y="1768320"/>
+            <a:ext cx="5494320" cy="4383720"/>
           </a:xfrm>
           <a:prstGeom prst="rect">
             <a:avLst/>
@@ -572,7 +575,7 @@
         <p:spPr>
           <a:xfrm>
             <a:off x="504000" y="301320"/>
-            <a:ext cx="9071280" cy="1261800"/>
+            <a:ext cx="9070920" cy="1261440"/>
           </a:xfrm>
           <a:prstGeom prst="rect">
             <a:avLst/>
@@ -581,7 +584,8 @@
         <p:txBody>
           <a:bodyPr lIns="0" rIns="0" tIns="0" bIns="0" anchor="ctr"/>
           <a:p>
-            <a:endParaRPr b="0" lang="en-US" sz="1800" spc="-1" strike="noStrike">
+            <a:pPr algn="ctr"/>
+            <a:endParaRPr b="0" lang="en-US" sz="4400" spc="-1" strike="noStrike">
               <a:solidFill>
                 <a:srgbClr val="000000"/>
               </a:solidFill>
@@ -608,7 +612,7 @@
         <p:spPr>
           <a:xfrm>
             <a:off x="504000" y="1768680"/>
-            <a:ext cx="9072000" cy="4384080"/>
+            <a:ext cx="9071640" cy="4383720"/>
           </a:xfrm>
           <a:prstGeom prst="rect">
             <a:avLst/>
@@ -667,7 +671,7 @@
         <p:spPr>
           <a:xfrm>
             <a:off x="504000" y="301320"/>
-            <a:ext cx="9071280" cy="1261800"/>
+            <a:ext cx="9070920" cy="1261440"/>
           </a:xfrm>
           <a:prstGeom prst="rect">
             <a:avLst/>
@@ -676,7 +680,8 @@
         <p:txBody>
           <a:bodyPr lIns="0" rIns="0" tIns="0" bIns="0" anchor="ctr"/>
           <a:p>
-            <a:endParaRPr b="0" lang="en-US" sz="1800" spc="-1" strike="noStrike">
+            <a:pPr algn="ctr"/>
+            <a:endParaRPr b="0" lang="en-US" sz="4400" spc="-1" strike="noStrike">
               <a:solidFill>
                 <a:srgbClr val="000000"/>
               </a:solidFill>
@@ -703,7 +708,7 @@
         <p:spPr>
           <a:xfrm>
             <a:off x="504000" y="1768680"/>
-            <a:ext cx="9072000" cy="4384080"/>
+            <a:ext cx="9071640" cy="4383720"/>
           </a:xfrm>
           <a:prstGeom prst="rect">
             <a:avLst/>
@@ -712,7 +717,7 @@
         <p:txBody>
           <a:bodyPr lIns="0" rIns="0" tIns="0" bIns="0"/>
           <a:p>
-            <a:endParaRPr b="0" lang="en-US" sz="2800" spc="-1" strike="noStrike">
+            <a:endParaRPr b="0" lang="en-US" sz="3200" spc="-1" strike="noStrike">
               <a:solidFill>
                 <a:srgbClr val="000000"/>
               </a:solidFill>
@@ -761,7 +766,7 @@
         <p:spPr>
           <a:xfrm>
             <a:off x="504000" y="301320"/>
-            <a:ext cx="9071280" cy="1261800"/>
+            <a:ext cx="9070920" cy="1261440"/>
           </a:xfrm>
           <a:prstGeom prst="rect">
             <a:avLst/>
@@ -770,7 +775,8 @@
         <p:txBody>
           <a:bodyPr lIns="0" rIns="0" tIns="0" bIns="0" anchor="ctr"/>
           <a:p>
-            <a:endParaRPr b="0" lang="en-US" sz="1800" spc="-1" strike="noStrike">
+            <a:pPr algn="ctr"/>
+            <a:endParaRPr b="0" lang="en-US" sz="4400" spc="-1" strike="noStrike">
               <a:solidFill>
                 <a:srgbClr val="000000"/>
               </a:solidFill>
@@ -797,7 +803,7 @@
         <p:spPr>
           <a:xfrm>
             <a:off x="504000" y="1768680"/>
-            <a:ext cx="4426920" cy="4384080"/>
+            <a:ext cx="4426920" cy="4383720"/>
           </a:xfrm>
           <a:prstGeom prst="rect">
             <a:avLst/>
@@ -806,7 +812,7 @@
         <p:txBody>
           <a:bodyPr lIns="0" rIns="0" tIns="0" bIns="0"/>
           <a:p>
-            <a:endParaRPr b="0" lang="en-US" sz="2800" spc="-1" strike="noStrike">
+            <a:endParaRPr b="0" lang="en-US" sz="3200" spc="-1" strike="noStrike">
               <a:solidFill>
                 <a:srgbClr val="000000"/>
               </a:solidFill>
@@ -833,7 +839,7 @@
         <p:spPr>
           <a:xfrm>
             <a:off x="5152680" y="1768680"/>
-            <a:ext cx="4426920" cy="4384080"/>
+            <a:ext cx="4426920" cy="4383720"/>
           </a:xfrm>
           <a:prstGeom prst="rect">
             <a:avLst/>
@@ -842,7 +848,7 @@
         <p:txBody>
           <a:bodyPr lIns="0" rIns="0" tIns="0" bIns="0"/>
           <a:p>
-            <a:endParaRPr b="0" lang="en-US" sz="2800" spc="-1" strike="noStrike">
+            <a:endParaRPr b="0" lang="en-US" sz="3200" spc="-1" strike="noStrike">
               <a:solidFill>
                 <a:srgbClr val="000000"/>
               </a:solidFill>
@@ -891,7 +897,7 @@
         <p:spPr>
           <a:xfrm>
             <a:off x="504000" y="301320"/>
-            <a:ext cx="9071280" cy="1261800"/>
+            <a:ext cx="9070920" cy="1261440"/>
           </a:xfrm>
           <a:prstGeom prst="rect">
             <a:avLst/>
@@ -900,7 +906,8 @@
         <p:txBody>
           <a:bodyPr lIns="0" rIns="0" tIns="0" bIns="0" anchor="ctr"/>
           <a:p>
-            <a:endParaRPr b="0" lang="en-US" sz="1800" spc="-1" strike="noStrike">
+            <a:pPr algn="ctr"/>
+            <a:endParaRPr b="0" lang="en-US" sz="4400" spc="-1" strike="noStrike">
               <a:solidFill>
                 <a:srgbClr val="000000"/>
               </a:solidFill>
@@ -949,7 +956,7 @@
         <p:spPr>
           <a:xfrm>
             <a:off x="504000" y="301320"/>
-            <a:ext cx="9071280" cy="5850360"/>
+            <a:ext cx="9070920" cy="5848560"/>
           </a:xfrm>
           <a:prstGeom prst="rect">
             <a:avLst/>
@@ -1008,7 +1015,7 @@
         <p:spPr>
           <a:xfrm>
             <a:off x="504000" y="301320"/>
-            <a:ext cx="9071280" cy="1261800"/>
+            <a:ext cx="9070920" cy="1261440"/>
           </a:xfrm>
           <a:prstGeom prst="rect">
             <a:avLst/>
@@ -1017,7 +1024,8 @@
         <p:txBody>
           <a:bodyPr lIns="0" rIns="0" tIns="0" bIns="0" anchor="ctr"/>
           <a:p>
-            <a:endParaRPr b="0" lang="en-US" sz="1800" spc="-1" strike="noStrike">
+            <a:pPr algn="ctr"/>
+            <a:endParaRPr b="0" lang="en-US" sz="4400" spc="-1" strike="noStrike">
               <a:solidFill>
                 <a:srgbClr val="000000"/>
               </a:solidFill>
@@ -1053,7 +1061,7 @@
         <p:txBody>
           <a:bodyPr lIns="0" rIns="0" tIns="0" bIns="0"/>
           <a:p>
-            <a:endParaRPr b="0" lang="en-US" sz="2800" spc="-1" strike="noStrike">
+            <a:endParaRPr b="0" lang="en-US" sz="3200" spc="-1" strike="noStrike">
               <a:solidFill>
                 <a:srgbClr val="000000"/>
               </a:solidFill>
@@ -1089,7 +1097,7 @@
         <p:txBody>
           <a:bodyPr lIns="0" rIns="0" tIns="0" bIns="0"/>
           <a:p>
-            <a:endParaRPr b="0" lang="en-US" sz="2800" spc="-1" strike="noStrike">
+            <a:endParaRPr b="0" lang="en-US" sz="3200" spc="-1" strike="noStrike">
               <a:solidFill>
                 <a:srgbClr val="000000"/>
               </a:solidFill>
@@ -1116,7 +1124,7 @@
         <p:spPr>
           <a:xfrm>
             <a:off x="5152680" y="1768680"/>
-            <a:ext cx="4426920" cy="4384080"/>
+            <a:ext cx="4426920" cy="4383720"/>
           </a:xfrm>
           <a:prstGeom prst="rect">
             <a:avLst/>
@@ -1125,7 +1133,7 @@
         <p:txBody>
           <a:bodyPr lIns="0" rIns="0" tIns="0" bIns="0"/>
           <a:p>
-            <a:endParaRPr b="0" lang="en-US" sz="2800" spc="-1" strike="noStrike">
+            <a:endParaRPr b="0" lang="en-US" sz="3200" spc="-1" strike="noStrike">
               <a:solidFill>
                 <a:srgbClr val="000000"/>
               </a:solidFill>
@@ -1174,7 +1182,7 @@
         <p:spPr>
           <a:xfrm>
             <a:off x="504000" y="301320"/>
-            <a:ext cx="9071280" cy="1261800"/>
+            <a:ext cx="9070920" cy="1261440"/>
           </a:xfrm>
           <a:prstGeom prst="rect">
             <a:avLst/>
@@ -1183,7 +1191,8 @@
         <p:txBody>
           <a:bodyPr lIns="0" rIns="0" tIns="0" bIns="0" anchor="ctr"/>
           <a:p>
-            <a:endParaRPr b="0" lang="en-US" sz="1800" spc="-1" strike="noStrike">
+            <a:pPr algn="ctr"/>
+            <a:endParaRPr b="0" lang="en-US" sz="4400" spc="-1" strike="noStrike">
               <a:solidFill>
                 <a:srgbClr val="000000"/>
               </a:solidFill>
@@ -1210,7 +1219,7 @@
         <p:spPr>
           <a:xfrm>
             <a:off x="504000" y="1768680"/>
-            <a:ext cx="4426920" cy="4384080"/>
+            <a:ext cx="4426920" cy="4383720"/>
           </a:xfrm>
           <a:prstGeom prst="rect">
             <a:avLst/>
@@ -1219,7 +1228,7 @@
         <p:txBody>
           <a:bodyPr lIns="0" rIns="0" tIns="0" bIns="0"/>
           <a:p>
-            <a:endParaRPr b="0" lang="en-US" sz="2800" spc="-1" strike="noStrike">
+            <a:endParaRPr b="0" lang="en-US" sz="3200" spc="-1" strike="noStrike">
               <a:solidFill>
                 <a:srgbClr val="000000"/>
               </a:solidFill>
@@ -1255,7 +1264,7 @@
         <p:txBody>
           <a:bodyPr lIns="0" rIns="0" tIns="0" bIns="0"/>
           <a:p>
-            <a:endParaRPr b="0" lang="en-US" sz="2800" spc="-1" strike="noStrike">
+            <a:endParaRPr b="0" lang="en-US" sz="3200" spc="-1" strike="noStrike">
               <a:solidFill>
                 <a:srgbClr val="000000"/>
               </a:solidFill>
@@ -1291,7 +1300,7 @@
         <p:txBody>
           <a:bodyPr lIns="0" rIns="0" tIns="0" bIns="0"/>
           <a:p>
-            <a:endParaRPr b="0" lang="en-US" sz="2800" spc="-1" strike="noStrike">
+            <a:endParaRPr b="0" lang="en-US" sz="3200" spc="-1" strike="noStrike">
               <a:solidFill>
                 <a:srgbClr val="000000"/>
               </a:solidFill>
@@ -1340,7 +1349,7 @@
         <p:spPr>
           <a:xfrm>
             <a:off x="504000" y="301320"/>
-            <a:ext cx="9071280" cy="1261800"/>
+            <a:ext cx="9070920" cy="1261440"/>
           </a:xfrm>
           <a:prstGeom prst="rect">
             <a:avLst/>
@@ -1349,7 +1358,8 @@
         <p:txBody>
           <a:bodyPr lIns="0" rIns="0" tIns="0" bIns="0" anchor="ctr"/>
           <a:p>
-            <a:endParaRPr b="0" lang="en-US" sz="1800" spc="-1" strike="noStrike">
+            <a:pPr algn="ctr"/>
+            <a:endParaRPr b="0" lang="en-US" sz="4400" spc="-1" strike="noStrike">
               <a:solidFill>
                 <a:srgbClr val="000000"/>
               </a:solidFill>
@@ -1385,7 +1395,7 @@
         <p:txBody>
           <a:bodyPr lIns="0" rIns="0" tIns="0" bIns="0"/>
           <a:p>
-            <a:endParaRPr b="0" lang="en-US" sz="2800" spc="-1" strike="noStrike">
+            <a:endParaRPr b="0" lang="en-US" sz="3200" spc="-1" strike="noStrike">
               <a:solidFill>
                 <a:srgbClr val="000000"/>
               </a:solidFill>
@@ -1421,7 +1431,7 @@
         <p:txBody>
           <a:bodyPr lIns="0" rIns="0" tIns="0" bIns="0"/>
           <a:p>
-            <a:endParaRPr b="0" lang="en-US" sz="2800" spc="-1" strike="noStrike">
+            <a:endParaRPr b="0" lang="en-US" sz="3200" spc="-1" strike="noStrike">
               <a:solidFill>
                 <a:srgbClr val="000000"/>
               </a:solidFill>
@@ -1448,7 +1458,7 @@
         <p:spPr>
           <a:xfrm>
             <a:off x="504000" y="4058640"/>
-            <a:ext cx="9072000" cy="2090880"/>
+            <a:ext cx="9071640" cy="2090880"/>
           </a:xfrm>
           <a:prstGeom prst="rect">
             <a:avLst/>
@@ -1457,7 +1467,7 @@
         <p:txBody>
           <a:bodyPr lIns="0" rIns="0" tIns="0" bIns="0"/>
           <a:p>
-            <a:endParaRPr b="0" lang="en-US" sz="2800" spc="-1" strike="noStrike">
+            <a:endParaRPr b="0" lang="en-US" sz="3200" spc="-1" strike="noStrike">
               <a:solidFill>
                 <a:srgbClr val="000000"/>
               </a:solidFill>
@@ -1513,7 +1523,7 @@
         <p:spPr>
           <a:xfrm>
             <a:off x="504000" y="301320"/>
-            <a:ext cx="9071280" cy="1261800"/>
+            <a:ext cx="9070920" cy="1261440"/>
           </a:xfrm>
           <a:prstGeom prst="rect">
             <a:avLst/>
@@ -1522,7 +1532,8 @@
         <p:txBody>
           <a:bodyPr lIns="0" rIns="0" tIns="0" bIns="0" anchor="ctr"/>
           <a:p>
-            <a:endParaRPr b="0" lang="en-US" sz="1800" spc="-1" strike="noStrike">
+            <a:pPr algn="ctr"/>
+            <a:endParaRPr b="0" lang="en-US" sz="4400" spc="-1" strike="noStrike">
               <a:solidFill>
                 <a:srgbClr val="000000"/>
               </a:solidFill>
@@ -1549,7 +1560,7 @@
         <p:spPr>
           <a:xfrm>
             <a:off x="504000" y="1768680"/>
-            <a:ext cx="9072000" cy="4384080"/>
+            <a:ext cx="9071640" cy="4383720"/>
           </a:xfrm>
           <a:prstGeom prst="rect">
             <a:avLst/>
@@ -1567,7 +1578,7 @@
               <a:buChar char=""/>
             </a:pPr>
             <a:r>
-              <a:rPr b="0" lang="en-US" sz="2800" spc="-1" strike="noStrike">
+              <a:rPr b="0" lang="en-US" sz="1800" spc="-1" strike="noStrike">
                 <a:solidFill>
                   <a:srgbClr val="000000"/>
                 </a:solidFill>
@@ -1580,7 +1591,7 @@
               </a:rPr>
               <a:t>Click to edit the outline text format</a:t>
             </a:r>
-            <a:endParaRPr b="0" lang="en-US" sz="2800" spc="-1" strike="noStrike">
+            <a:endParaRPr b="0" lang="en-US" sz="1800" spc="-1" strike="noStrike">
               <a:solidFill>
                 <a:srgbClr val="000000"/>
               </a:solidFill>
@@ -1602,7 +1613,7 @@
               <a:buChar char=""/>
             </a:pPr>
             <a:r>
-              <a:rPr b="0" lang="en-US" sz="2000" spc="-1" strike="noStrike">
+              <a:rPr b="0" lang="en-US" sz="1800" spc="-1" strike="noStrike">
                 <a:solidFill>
                   <a:srgbClr val="000000"/>
                 </a:solidFill>
@@ -1615,7 +1626,7 @@
               </a:rPr>
               <a:t>Second Outline Level</a:t>
             </a:r>
-            <a:endParaRPr b="0" lang="en-US" sz="2000" spc="-1" strike="noStrike">
+            <a:endParaRPr b="0" lang="en-US" sz="1800" spc="-1" strike="noStrike">
               <a:solidFill>
                 <a:srgbClr val="000000"/>
               </a:solidFill>
@@ -1707,7 +1718,7 @@
               <a:buChar char=""/>
             </a:pPr>
             <a:r>
-              <a:rPr b="0" lang="en-US" sz="2000" spc="-1" strike="noStrike">
+              <a:rPr b="0" lang="en-US" sz="1800" spc="-1" strike="noStrike">
                 <a:solidFill>
                   <a:srgbClr val="000000"/>
                 </a:solidFill>
@@ -1720,7 +1731,7 @@
               </a:rPr>
               <a:t>Fifth Outline Level</a:t>
             </a:r>
-            <a:endParaRPr b="0" lang="en-US" sz="2000" spc="-1" strike="noStrike">
+            <a:endParaRPr b="0" lang="en-US" sz="1800" spc="-1" strike="noStrike">
               <a:solidFill>
                 <a:srgbClr val="000000"/>
               </a:solidFill>
@@ -1742,7 +1753,7 @@
               <a:buChar char=""/>
             </a:pPr>
             <a:r>
-              <a:rPr b="0" lang="en-US" sz="2000" spc="-1" strike="noStrike">
+              <a:rPr b="0" lang="en-US" sz="1800" spc="-1" strike="noStrike">
                 <a:solidFill>
                   <a:srgbClr val="000000"/>
                 </a:solidFill>
@@ -1755,7 +1766,7 @@
               </a:rPr>
               <a:t>Sixth Outline Level</a:t>
             </a:r>
-            <a:endParaRPr b="0" lang="en-US" sz="2000" spc="-1" strike="noStrike">
+            <a:endParaRPr b="0" lang="en-US" sz="1800" spc="-1" strike="noStrike">
               <a:solidFill>
                 <a:srgbClr val="000000"/>
               </a:solidFill>
@@ -1777,7 +1788,7 @@
               <a:buChar char=""/>
             </a:pPr>
             <a:r>
-              <a:rPr b="0" lang="en-US" sz="2000" spc="-1" strike="noStrike">
+              <a:rPr b="0" lang="en-US" sz="1800" spc="-1" strike="noStrike">
                 <a:solidFill>
                   <a:srgbClr val="000000"/>
                 </a:solidFill>
@@ -1790,7 +1801,7 @@
               </a:rPr>
               <a:t>Seventh Outline Level</a:t>
             </a:r>
-            <a:endParaRPr b="0" lang="en-US" sz="2000" spc="-1" strike="noStrike">
+            <a:endParaRPr b="0" lang="en-US" sz="1800" spc="-1" strike="noStrike">
               <a:solidFill>
                 <a:srgbClr val="000000"/>
               </a:solidFill>
@@ -1843,14 +1854,14 @@
       </p:grpSpPr>
       <p:sp>
         <p:nvSpPr>
-          <p:cNvPr id="36" name="TextShape 1"/>
-          <p:cNvSpPr txBox="1"/>
+          <p:cNvPr id="36" name="CustomShape 1"/>
+          <p:cNvSpPr/>
           <p:nvPr/>
         </p:nvSpPr>
         <p:spPr>
           <a:xfrm>
-            <a:off x="5029200" y="1280160"/>
-            <a:ext cx="708120" cy="365760"/>
+            <a:off x="4021200" y="272160"/>
+            <a:ext cx="707760" cy="365400"/>
           </a:xfrm>
           <a:prstGeom prst="rect">
             <a:avLst/>
@@ -1860,6 +1871,12 @@
             <a:noFill/>
           </a:ln>
         </p:spPr>
+        <p:style>
+          <a:lnRef idx="0"/>
+          <a:fillRef idx="0"/>
+          <a:effectRef idx="0"/>
+          <a:fontRef idx="minor"/>
+        </p:style>
         <p:txBody>
           <a:bodyPr lIns="90000" rIns="90000" tIns="45000" bIns="45000"/>
           <a:p>
@@ -1883,30 +1900,30 @@
               </a:rPr>
               <a:t>MPU</a:t>
             </a:r>
-            <a:endParaRPr b="0" lang="en-US" sz="1800" spc="-1" strike="noStrike">
-              <a:solidFill>
-                <a:srgbClr val="000000"/>
-              </a:solidFill>
-              <a:uFill>
-                <a:solidFill>
-                  <a:srgbClr val="ffffff"/>
-                </a:solidFill>
-              </a:uFill>
-              <a:latin typeface="Arial"/>
-            </a:endParaRPr>
-          </a:p>
-        </p:txBody>
-      </p:sp>
-      <p:sp>
-        <p:nvSpPr>
-          <p:cNvPr id="37" name="TextShape 2"/>
-          <p:cNvSpPr txBox="1"/>
+            <a:endParaRPr b="0" lang="en-US" sz="1600" spc="-1" strike="noStrike">
+              <a:solidFill>
+                <a:srgbClr val="000000"/>
+              </a:solidFill>
+              <a:uFill>
+                <a:solidFill>
+                  <a:srgbClr val="ffffff"/>
+                </a:solidFill>
+              </a:uFill>
+              <a:latin typeface="Arial"/>
+            </a:endParaRPr>
+          </a:p>
+        </p:txBody>
+      </p:sp>
+      <p:sp>
+        <p:nvSpPr>
+          <p:cNvPr id="37" name="CustomShape 2"/>
+          <p:cNvSpPr/>
           <p:nvPr/>
         </p:nvSpPr>
         <p:spPr>
           <a:xfrm>
-            <a:off x="6583680" y="2898000"/>
-            <a:ext cx="1256760" cy="316440"/>
+            <a:off x="5575680" y="1920240"/>
+            <a:ext cx="1256400" cy="316080"/>
           </a:xfrm>
           <a:prstGeom prst="rect">
             <a:avLst/>
@@ -1916,6 +1933,12 @@
             <a:noFill/>
           </a:ln>
         </p:spPr>
+        <p:style>
+          <a:lnRef idx="0"/>
+          <a:fillRef idx="0"/>
+          <a:effectRef idx="0"/>
+          <a:fontRef idx="minor"/>
+        </p:style>
         <p:txBody>
           <a:bodyPr lIns="90000" rIns="90000" tIns="45000" bIns="45000"/>
           <a:p>
@@ -1939,30 +1962,30 @@
               </a:rPr>
               <a:t>MPU9250</a:t>
             </a:r>
-            <a:endParaRPr b="0" lang="en-US" sz="1800" spc="-1" strike="noStrike">
-              <a:solidFill>
-                <a:srgbClr val="000000"/>
-              </a:solidFill>
-              <a:uFill>
-                <a:solidFill>
-                  <a:srgbClr val="ffffff"/>
-                </a:solidFill>
-              </a:uFill>
-              <a:latin typeface="Arial"/>
-            </a:endParaRPr>
-          </a:p>
-        </p:txBody>
-      </p:sp>
-      <p:sp>
-        <p:nvSpPr>
-          <p:cNvPr id="38" name="TextShape 3"/>
-          <p:cNvSpPr txBox="1"/>
+            <a:endParaRPr b="0" lang="en-US" sz="1600" spc="-1" strike="noStrike">
+              <a:solidFill>
+                <a:srgbClr val="000000"/>
+              </a:solidFill>
+              <a:uFill>
+                <a:solidFill>
+                  <a:srgbClr val="ffffff"/>
+                </a:solidFill>
+              </a:uFill>
+              <a:latin typeface="Arial"/>
+            </a:endParaRPr>
+          </a:p>
+        </p:txBody>
+      </p:sp>
+      <p:sp>
+        <p:nvSpPr>
+          <p:cNvPr id="38" name="CustomShape 3"/>
+          <p:cNvSpPr/>
           <p:nvPr/>
         </p:nvSpPr>
         <p:spPr>
           <a:xfrm>
-            <a:off x="2834640" y="2898000"/>
-            <a:ext cx="1256760" cy="316440"/>
+            <a:off x="782640" y="1920240"/>
+            <a:ext cx="1256400" cy="316080"/>
           </a:xfrm>
           <a:prstGeom prst="rect">
             <a:avLst/>
@@ -1972,6 +1995,12 @@
             <a:noFill/>
           </a:ln>
         </p:spPr>
+        <p:style>
+          <a:lnRef idx="0"/>
+          <a:fillRef idx="0"/>
+          <a:effectRef idx="0"/>
+          <a:fontRef idx="minor"/>
+        </p:style>
         <p:txBody>
           <a:bodyPr lIns="90000" rIns="90000" tIns="45000" bIns="45000"/>
           <a:p>
@@ -1995,30 +2024,30 @@
               </a:rPr>
               <a:t>MPU6xx0</a:t>
             </a:r>
-            <a:endParaRPr b="0" lang="en-US" sz="1800" spc="-1" strike="noStrike">
-              <a:solidFill>
-                <a:srgbClr val="000000"/>
-              </a:solidFill>
-              <a:uFill>
-                <a:solidFill>
-                  <a:srgbClr val="ffffff"/>
-                </a:solidFill>
-              </a:uFill>
-              <a:latin typeface="Arial"/>
-            </a:endParaRPr>
-          </a:p>
-        </p:txBody>
-      </p:sp>
-      <p:sp>
-        <p:nvSpPr>
-          <p:cNvPr id="39" name="TextShape 4"/>
-          <p:cNvSpPr txBox="1"/>
+            <a:endParaRPr b="0" lang="en-US" sz="1600" spc="-1" strike="noStrike">
+              <a:solidFill>
+                <a:srgbClr val="000000"/>
+              </a:solidFill>
+              <a:uFill>
+                <a:solidFill>
+                  <a:srgbClr val="ffffff"/>
+                </a:solidFill>
+              </a:uFill>
+              <a:latin typeface="Arial"/>
+            </a:endParaRPr>
+          </a:p>
+        </p:txBody>
+      </p:sp>
+      <p:sp>
+        <p:nvSpPr>
+          <p:cNvPr id="39" name="CustomShape 4"/>
+          <p:cNvSpPr/>
           <p:nvPr/>
         </p:nvSpPr>
         <p:spPr>
           <a:xfrm>
-            <a:off x="3291840" y="4136040"/>
-            <a:ext cx="1256760" cy="316440"/>
+            <a:off x="1554480" y="3707280"/>
+            <a:ext cx="1256400" cy="316080"/>
           </a:xfrm>
           <a:prstGeom prst="rect">
             <a:avLst/>
@@ -2028,6 +2057,12 @@
             <a:noFill/>
           </a:ln>
         </p:spPr>
+        <p:style>
+          <a:lnRef idx="0"/>
+          <a:fillRef idx="0"/>
+          <a:effectRef idx="0"/>
+          <a:fontRef idx="minor"/>
+        </p:style>
         <p:txBody>
           <a:bodyPr lIns="90000" rIns="90000" tIns="45000" bIns="45000"/>
           <a:p>
@@ -2049,47 +2084,32 @@
                 <a:latin typeface="Arial"/>
                 <a:ea typeface="DejaVu Sans"/>
               </a:rPr>
-              <a:t>MPU6x0</a:t>
+              <a:t>MPU6x00</a:t>
             </a:r>
-            <a:r>
-              <a:rPr b="0" lang="en-US" sz="1600" spc="-1" strike="noStrike">
-                <a:solidFill>
-                  <a:srgbClr val="000000"/>
-                </a:solidFill>
-                <a:uFill>
-                  <a:solidFill>
-                    <a:srgbClr val="ffffff"/>
-                  </a:solidFill>
-                </a:uFill>
-                <a:latin typeface="Arial"/>
-                <a:ea typeface="DejaVu Sans"/>
-              </a:rPr>
-              <a:t>0</a:t>
-            </a:r>
-            <a:endParaRPr b="0" lang="en-US" sz="1800" spc="-1" strike="noStrike">
-              <a:solidFill>
-                <a:srgbClr val="000000"/>
-              </a:solidFill>
-              <a:uFill>
-                <a:solidFill>
-                  <a:srgbClr val="ffffff"/>
-                </a:solidFill>
-              </a:uFill>
-              <a:latin typeface="Arial"/>
-            </a:endParaRPr>
-          </a:p>
-        </p:txBody>
-      </p:sp>
-      <p:sp>
-        <p:nvSpPr>
-          <p:cNvPr id="40" name="TextShape 5"/>
-          <p:cNvSpPr txBox="1"/>
+            <a:endParaRPr b="0" lang="en-US" sz="1600" spc="-1" strike="noStrike">
+              <a:solidFill>
+                <a:srgbClr val="000000"/>
+              </a:solidFill>
+              <a:uFill>
+                <a:solidFill>
+                  <a:srgbClr val="ffffff"/>
+                </a:solidFill>
+              </a:uFill>
+              <a:latin typeface="Arial"/>
+            </a:endParaRPr>
+          </a:p>
+        </p:txBody>
+      </p:sp>
+      <p:sp>
+        <p:nvSpPr>
+          <p:cNvPr id="40" name="CustomShape 5"/>
+          <p:cNvSpPr/>
           <p:nvPr/>
         </p:nvSpPr>
         <p:spPr>
           <a:xfrm>
-            <a:off x="2688840" y="5728680"/>
-            <a:ext cx="1256760" cy="316440"/>
+            <a:off x="1104480" y="5760720"/>
+            <a:ext cx="1256400" cy="316080"/>
           </a:xfrm>
           <a:prstGeom prst="rect">
             <a:avLst/>
@@ -2099,6 +2119,12 @@
             <a:noFill/>
           </a:ln>
         </p:spPr>
+        <p:style>
+          <a:lnRef idx="0"/>
+          <a:fillRef idx="0"/>
+          <a:effectRef idx="0"/>
+          <a:fontRef idx="minor"/>
+        </p:style>
         <p:txBody>
           <a:bodyPr lIns="90000" rIns="90000" tIns="45000" bIns="45000"/>
           <a:p>
@@ -2122,54 +2148,30 @@
               </a:rPr>
               <a:t>MPU6000</a:t>
             </a:r>
-            <a:endParaRPr b="0" lang="en-US" sz="1800" spc="-1" strike="noStrike">
-              <a:solidFill>
-                <a:srgbClr val="000000"/>
-              </a:solidFill>
-              <a:uFill>
-                <a:solidFill>
-                  <a:srgbClr val="ffffff"/>
-                </a:solidFill>
-              </a:uFill>
-              <a:latin typeface="Arial"/>
-            </a:endParaRPr>
-          </a:p>
-        </p:txBody>
-      </p:sp>
-      <p:cxnSp>
-        <p:nvCxnSpPr>
-          <p:cNvPr id="41" name="Line 6"/>
-          <p:cNvCxnSpPr>
-            <a:stCxn id="39" idx="2"/>
-            <a:endCxn id="40" idx="0"/>
-          </p:cNvCxnSpPr>
+            <a:endParaRPr b="0" lang="en-US" sz="1600" spc="-1" strike="noStrike">
+              <a:solidFill>
+                <a:srgbClr val="000000"/>
+              </a:solidFill>
+              <a:uFill>
+                <a:solidFill>
+                  <a:srgbClr val="ffffff"/>
+                </a:solidFill>
+              </a:uFill>
+              <a:latin typeface="Arial"/>
+            </a:endParaRPr>
+          </a:p>
+        </p:txBody>
+      </p:sp>
+      <p:sp>
+        <p:nvSpPr>
+          <p:cNvPr id="41" name="CustomShape 6"/>
+          <p:cNvSpPr/>
           <p:nvPr/>
-        </p:nvCxnSpPr>
-        <p:spPr>
-          <a:xfrm flipH="1">
-            <a:off x="3317040" y="4452480"/>
-            <a:ext cx="603360" cy="1276560"/>
-          </a:xfrm>
-          <a:prstGeom prst="straightConnector1">
-            <a:avLst/>
-          </a:prstGeom>
-          <a:ln>
-            <a:solidFill>
-              <a:srgbClr val="000000"/>
-            </a:solidFill>
-          </a:ln>
-        </p:spPr>
-      </p:cxnSp>
-      <p:sp>
-        <p:nvSpPr>
-          <p:cNvPr id="42" name="TextShape 7"/>
-          <p:cNvSpPr txBox="1"/>
-          <p:nvPr/>
-        </p:nvSpPr>
-        <p:spPr>
-          <a:xfrm>
-            <a:off x="1385280" y="5728680"/>
-            <a:ext cx="1256760" cy="316440"/>
+        </p:nvSpPr>
+        <p:spPr>
+          <a:xfrm>
+            <a:off x="91440" y="5760720"/>
+            <a:ext cx="1256400" cy="316080"/>
           </a:xfrm>
           <a:prstGeom prst="rect">
             <a:avLst/>
@@ -2179,6 +2181,12 @@
             <a:noFill/>
           </a:ln>
         </p:spPr>
+        <p:style>
+          <a:lnRef idx="0"/>
+          <a:fillRef idx="0"/>
+          <a:effectRef idx="0"/>
+          <a:fontRef idx="minor"/>
+        </p:style>
         <p:txBody>
           <a:bodyPr lIns="90000" rIns="90000" tIns="45000" bIns="45000"/>
           <a:p>
@@ -2202,54 +2210,30 @@
               </a:rPr>
               <a:t>MPU6250</a:t>
             </a:r>
-            <a:endParaRPr b="0" lang="en-US" sz="1800" spc="-1" strike="noStrike">
-              <a:solidFill>
-                <a:srgbClr val="000000"/>
-              </a:solidFill>
-              <a:uFill>
-                <a:solidFill>
-                  <a:srgbClr val="ffffff"/>
-                </a:solidFill>
-              </a:uFill>
-              <a:latin typeface="Arial"/>
-            </a:endParaRPr>
-          </a:p>
-        </p:txBody>
-      </p:sp>
-      <p:cxnSp>
-        <p:nvCxnSpPr>
-          <p:cNvPr id="43" name="Line 8"/>
-          <p:cNvCxnSpPr>
-            <a:stCxn id="38" idx="2"/>
-            <a:endCxn id="42" idx="0"/>
-          </p:cNvCxnSpPr>
+            <a:endParaRPr b="0" lang="en-US" sz="1600" spc="-1" strike="noStrike">
+              <a:solidFill>
+                <a:srgbClr val="000000"/>
+              </a:solidFill>
+              <a:uFill>
+                <a:solidFill>
+                  <a:srgbClr val="ffffff"/>
+                </a:solidFill>
+              </a:uFill>
+              <a:latin typeface="Arial"/>
+            </a:endParaRPr>
+          </a:p>
+        </p:txBody>
+      </p:sp>
+      <p:sp>
+        <p:nvSpPr>
+          <p:cNvPr id="42" name="CustomShape 7"/>
+          <p:cNvSpPr/>
           <p:nvPr/>
-        </p:nvCxnSpPr>
-        <p:spPr>
-          <a:xfrm flipH="1">
-            <a:off x="2013480" y="3214440"/>
-            <a:ext cx="1449720" cy="2514600"/>
-          </a:xfrm>
-          <a:prstGeom prst="straightConnector1">
-            <a:avLst/>
-          </a:prstGeom>
-          <a:ln>
-            <a:solidFill>
-              <a:srgbClr val="000000"/>
-            </a:solidFill>
-          </a:ln>
-        </p:spPr>
-      </p:cxnSp>
-      <p:sp>
-        <p:nvSpPr>
-          <p:cNvPr id="44" name="TextShape 9"/>
-          <p:cNvSpPr txBox="1"/>
-          <p:nvPr/>
-        </p:nvSpPr>
-        <p:spPr>
-          <a:xfrm>
-            <a:off x="3859920" y="5728680"/>
-            <a:ext cx="1169280" cy="316440"/>
+        </p:nvSpPr>
+        <p:spPr>
+          <a:xfrm>
+            <a:off x="2178000" y="5760720"/>
+            <a:ext cx="1097280" cy="219600"/>
           </a:xfrm>
           <a:prstGeom prst="rect">
             <a:avLst/>
@@ -2259,6 +2243,12 @@
             <a:noFill/>
           </a:ln>
         </p:spPr>
+        <p:style>
+          <a:lnRef idx="0"/>
+          <a:fillRef idx="0"/>
+          <a:effectRef idx="0"/>
+          <a:fontRef idx="minor"/>
+        </p:style>
         <p:txBody>
           <a:bodyPr lIns="90000" rIns="90000" tIns="45000" bIns="45000"/>
           <a:p>
@@ -2282,126 +2272,71 @@
               </a:rPr>
               <a:t>MPU6500</a:t>
             </a:r>
-            <a:endParaRPr b="0" lang="en-US" sz="1800" spc="-1" strike="noStrike">
-              <a:solidFill>
-                <a:srgbClr val="000000"/>
-              </a:solidFill>
-              <a:uFill>
-                <a:solidFill>
-                  <a:srgbClr val="ffffff"/>
-                </a:solidFill>
-              </a:uFill>
-              <a:latin typeface="Arial"/>
-            </a:endParaRPr>
-          </a:p>
-        </p:txBody>
-      </p:sp>
-      <p:cxnSp>
-        <p:nvCxnSpPr>
-          <p:cNvPr id="45" name="Line 10"/>
-          <p:cNvCxnSpPr>
-            <a:stCxn id="39" idx="2"/>
-            <a:endCxn id="44" idx="0"/>
-          </p:cNvCxnSpPr>
+            <a:endParaRPr b="0" lang="en-US" sz="1600" spc="-1" strike="noStrike">
+              <a:solidFill>
+                <a:srgbClr val="000000"/>
+              </a:solidFill>
+              <a:uFill>
+                <a:solidFill>
+                  <a:srgbClr val="ffffff"/>
+                </a:solidFill>
+              </a:uFill>
+              <a:latin typeface="Arial"/>
+            </a:endParaRPr>
+          </a:p>
+        </p:txBody>
+      </p:sp>
+      <p:sp>
+        <p:nvSpPr>
+          <p:cNvPr id="43" name="CustomShape 8"/>
+          <p:cNvSpPr/>
           <p:nvPr/>
-        </p:nvCxnSpPr>
-        <p:spPr>
-          <a:xfrm>
-            <a:off x="3920040" y="4452480"/>
-            <a:ext cx="524880" cy="1276560"/>
-          </a:xfrm>
-          <a:prstGeom prst="straightConnector1">
-            <a:avLst/>
-          </a:prstGeom>
+        </p:nvSpPr>
+        <p:spPr>
+          <a:xfrm>
+            <a:off x="4375080" y="637920"/>
+            <a:ext cx="1828800" cy="1252080"/>
+          </a:xfrm>
+          <a:custGeom>
+            <a:avLst/>
+            <a:gdLst/>
+            <a:ahLst/>
+            <a:rect l="l" t="t" r="r" b="b"/>
+            <a:pathLst>
+              <a:path w="21600" h="21600">
+                <a:moveTo>
+                  <a:pt x="0" y="0"/>
+                </a:moveTo>
+                <a:lnTo>
+                  <a:pt x="21600" y="21600"/>
+                </a:lnTo>
+              </a:path>
+            </a:pathLst>
+          </a:custGeom>
+          <a:noFill/>
           <a:ln>
             <a:solidFill>
               <a:srgbClr val="000000"/>
             </a:solidFill>
           </a:ln>
         </p:spPr>
-      </p:cxnSp>
-      <p:cxnSp>
-        <p:nvCxnSpPr>
-          <p:cNvPr id="46" name="Line 11"/>
-          <p:cNvCxnSpPr>
-            <a:stCxn id="38" idx="2"/>
-            <a:endCxn id="39" idx="0"/>
-          </p:cNvCxnSpPr>
+        <p:style>
+          <a:lnRef idx="0"/>
+          <a:fillRef idx="0"/>
+          <a:effectRef idx="0"/>
+          <a:fontRef idx="minor"/>
+        </p:style>
+      </p:sp>
+      <p:sp>
+        <p:nvSpPr>
+          <p:cNvPr id="44" name="CustomShape 9"/>
+          <p:cNvSpPr/>
           <p:nvPr/>
-        </p:nvCxnSpPr>
-        <p:spPr>
-          <a:xfrm>
-            <a:off x="3462840" y="3214440"/>
-            <a:ext cx="457560" cy="921960"/>
-          </a:xfrm>
-          <a:prstGeom prst="straightConnector1">
-            <a:avLst/>
-          </a:prstGeom>
-          <a:ln>
-            <a:solidFill>
-              <a:srgbClr val="000000"/>
-            </a:solidFill>
-          </a:ln>
-        </p:spPr>
-      </p:cxnSp>
-      <p:cxnSp>
-        <p:nvCxnSpPr>
-          <p:cNvPr id="47" name="Line 12"/>
-          <p:cNvCxnSpPr>
-            <a:stCxn id="36" idx="2"/>
-            <a:endCxn id="37" idx="0"/>
-          </p:cNvCxnSpPr>
-          <p:nvPr/>
-        </p:nvCxnSpPr>
-        <p:spPr>
-          <a:xfrm>
-            <a:off x="5383080" y="1645920"/>
-            <a:ext cx="1829160" cy="1252440"/>
-          </a:xfrm>
-          <a:prstGeom prst="straightConnector1">
-            <a:avLst/>
-          </a:prstGeom>
-          <a:ln>
-            <a:solidFill>
-              <a:srgbClr val="000000"/>
-            </a:solidFill>
-          </a:ln>
-        </p:spPr>
-      </p:cxnSp>
-      <p:cxnSp>
-        <p:nvCxnSpPr>
-          <p:cNvPr id="48" name="Line 13"/>
-          <p:cNvCxnSpPr>
-            <a:stCxn id="36" idx="2"/>
-            <a:endCxn id="38" idx="0"/>
-          </p:cNvCxnSpPr>
-          <p:nvPr/>
-        </p:nvCxnSpPr>
-        <p:spPr>
-          <a:xfrm flipH="1">
-            <a:off x="3462840" y="1645920"/>
-            <a:ext cx="1920600" cy="1252440"/>
-          </a:xfrm>
-          <a:prstGeom prst="straightConnector1">
-            <a:avLst/>
-          </a:prstGeom>
-          <a:ln>
-            <a:solidFill>
-              <a:srgbClr val="000000"/>
-            </a:solidFill>
-          </a:ln>
-        </p:spPr>
-      </p:cxnSp>
-      <p:sp>
-        <p:nvSpPr>
-          <p:cNvPr id="49" name="TextShape 14"/>
-          <p:cNvSpPr txBox="1"/>
-          <p:nvPr/>
-        </p:nvSpPr>
-        <p:spPr>
-          <a:xfrm>
-            <a:off x="5212080" y="5732640"/>
-            <a:ext cx="2171160" cy="541800"/>
+        </p:nvSpPr>
+        <p:spPr>
+          <a:xfrm>
+            <a:off x="4648320" y="3703320"/>
+            <a:ext cx="2170800" cy="396000"/>
           </a:xfrm>
           <a:prstGeom prst="rect">
             <a:avLst/>
@@ -2411,6 +2346,12 @@
             <a:noFill/>
           </a:ln>
         </p:spPr>
+        <p:style>
+          <a:lnRef idx="0"/>
+          <a:fillRef idx="0"/>
+          <a:effectRef idx="0"/>
+          <a:fontRef idx="minor"/>
+        </p:style>
         <p:txBody>
           <a:bodyPr lIns="90000" rIns="90000" tIns="45000" bIns="45000"/>
           <a:p>
@@ -2434,30 +2375,30 @@
               </a:rPr>
               <a:t>MPU9250_Master</a:t>
             </a:r>
-            <a:endParaRPr b="0" lang="en-US" sz="1800" spc="-1" strike="noStrike">
-              <a:solidFill>
-                <a:srgbClr val="000000"/>
-              </a:solidFill>
-              <a:uFill>
-                <a:solidFill>
-                  <a:srgbClr val="ffffff"/>
-                </a:solidFill>
-              </a:uFill>
-              <a:latin typeface="Arial"/>
-            </a:endParaRPr>
-          </a:p>
-        </p:txBody>
-      </p:sp>
-      <p:sp>
-        <p:nvSpPr>
-          <p:cNvPr id="50" name="TextShape 15"/>
-          <p:cNvSpPr txBox="1"/>
+            <a:endParaRPr b="0" lang="en-US" sz="1600" spc="-1" strike="noStrike">
+              <a:solidFill>
+                <a:srgbClr val="000000"/>
+              </a:solidFill>
+              <a:uFill>
+                <a:solidFill>
+                  <a:srgbClr val="ffffff"/>
+                </a:solidFill>
+              </a:uFill>
+              <a:latin typeface="Arial"/>
+            </a:endParaRPr>
+          </a:p>
+        </p:txBody>
+      </p:sp>
+      <p:sp>
+        <p:nvSpPr>
+          <p:cNvPr id="45" name="CustomShape 10"/>
+          <p:cNvSpPr/>
           <p:nvPr/>
         </p:nvSpPr>
         <p:spPr>
           <a:xfrm>
-            <a:off x="7223760" y="5732640"/>
-            <a:ext cx="2171160" cy="541800"/>
+            <a:off x="7955280" y="5760720"/>
+            <a:ext cx="2170800" cy="541440"/>
           </a:xfrm>
           <a:prstGeom prst="rect">
             <a:avLst/>
@@ -2467,6 +2408,12 @@
             <a:noFill/>
           </a:ln>
         </p:spPr>
+        <p:style>
+          <a:lnRef idx="0"/>
+          <a:fillRef idx="0"/>
+          <a:effectRef idx="0"/>
+          <a:fontRef idx="minor"/>
+        </p:style>
         <p:txBody>
           <a:bodyPr lIns="90000" rIns="90000" tIns="45000" bIns="45000"/>
           <a:p>
@@ -2490,78 +2437,30 @@
               </a:rPr>
               <a:t>MPU9250_Passthru</a:t>
             </a:r>
-            <a:endParaRPr b="0" lang="en-US" sz="1800" spc="-1" strike="noStrike">
-              <a:solidFill>
-                <a:srgbClr val="000000"/>
-              </a:solidFill>
-              <a:uFill>
-                <a:solidFill>
-                  <a:srgbClr val="ffffff"/>
-                </a:solidFill>
-              </a:uFill>
-              <a:latin typeface="Arial"/>
-            </a:endParaRPr>
-          </a:p>
-        </p:txBody>
-      </p:sp>
-      <p:cxnSp>
-        <p:nvCxnSpPr>
-          <p:cNvPr id="51" name="Line 16"/>
-          <p:cNvCxnSpPr>
-            <a:stCxn id="37" idx="2"/>
-            <a:endCxn id="49" idx="0"/>
-          </p:cNvCxnSpPr>
-          <p:nvPr/>
-        </p:nvCxnSpPr>
-        <p:spPr>
-          <a:xfrm flipH="1">
-            <a:off x="6297480" y="3214440"/>
-            <a:ext cx="914760" cy="2518560"/>
-          </a:xfrm>
-          <a:prstGeom prst="straightConnector1">
-            <a:avLst/>
-          </a:prstGeom>
-          <a:ln>
-            <a:solidFill>
-              <a:srgbClr val="000000"/>
-            </a:solidFill>
-          </a:ln>
-        </p:spPr>
-      </p:cxnSp>
-      <p:cxnSp>
-        <p:nvCxnSpPr>
-          <p:cNvPr id="52" name="Line 17"/>
-          <p:cNvCxnSpPr>
-            <a:stCxn id="37" idx="2"/>
-            <a:endCxn id="50" idx="0"/>
-          </p:cNvCxnSpPr>
-          <p:nvPr/>
-        </p:nvCxnSpPr>
-        <p:spPr>
-          <a:xfrm>
-            <a:off x="7211880" y="3214440"/>
-            <a:ext cx="1097640" cy="2518560"/>
-          </a:xfrm>
-          <a:prstGeom prst="straightConnector1">
-            <a:avLst/>
-          </a:prstGeom>
-          <a:ln>
-            <a:solidFill>
-              <a:srgbClr val="000000"/>
-            </a:solidFill>
-          </a:ln>
-        </p:spPr>
-      </p:cxnSp>
-      <p:sp>
-        <p:nvSpPr>
-          <p:cNvPr id="53" name="Line 18"/>
+            <a:endParaRPr b="0" lang="en-US" sz="1600" spc="-1" strike="noStrike">
+              <a:solidFill>
+                <a:srgbClr val="000000"/>
+              </a:solidFill>
+              <a:uFill>
+                <a:solidFill>
+                  <a:srgbClr val="ffffff"/>
+                </a:solidFill>
+              </a:uFill>
+              <a:latin typeface="Arial"/>
+            </a:endParaRPr>
+          </a:p>
+        </p:txBody>
+      </p:sp>
+      <p:sp>
+        <p:nvSpPr>
+          <p:cNvPr id="46" name="Line 11"/>
           <p:cNvSpPr/>
           <p:nvPr/>
         </p:nvSpPr>
         <p:spPr>
           <a:xfrm flipH="1">
-            <a:off x="4846320" y="3263760"/>
-            <a:ext cx="1828800" cy="2464920"/>
+            <a:off x="2834640" y="2255760"/>
+            <a:ext cx="2832480" cy="3504960"/>
           </a:xfrm>
           <a:prstGeom prst="line">
             <a:avLst/>
@@ -2583,14 +2482,14 @@
       </p:sp>
       <p:sp>
         <p:nvSpPr>
-          <p:cNvPr id="54" name="TextShape 19"/>
-          <p:cNvSpPr txBox="1"/>
+          <p:cNvPr id="47" name="CustomShape 12"/>
+          <p:cNvSpPr/>
           <p:nvPr/>
         </p:nvSpPr>
         <p:spPr>
           <a:xfrm rot="18196800">
-            <a:off x="5104800" y="4129200"/>
-            <a:ext cx="1061640" cy="316440"/>
+            <a:off x="4096440" y="3121200"/>
+            <a:ext cx="1061280" cy="316080"/>
           </a:xfrm>
           <a:prstGeom prst="rect">
             <a:avLst/>
@@ -2600,6 +2499,12 @@
             <a:noFill/>
           </a:ln>
         </p:spPr>
+        <p:style>
+          <a:lnRef idx="0"/>
+          <a:fillRef idx="0"/>
+          <a:effectRef idx="0"/>
+          <a:fontRef idx="minor"/>
+        </p:style>
         <p:txBody>
           <a:bodyPr lIns="90000" rIns="90000" tIns="45000" bIns="45000"/>
           <a:p>
@@ -2623,20 +2528,360 @@
               </a:rPr>
               <a:t>friend</a:t>
             </a:r>
-            <a:endParaRPr b="0" i="1" lang="en-US" sz="1600" spc="-1" strike="noStrike">
-              <a:solidFill>
-                <a:srgbClr val="000000"/>
-              </a:solidFill>
-              <a:uFill>
-                <a:solidFill>
-                  <a:srgbClr val="ffffff"/>
-                </a:solidFill>
-              </a:uFill>
-              <a:latin typeface="Arial"/>
-            </a:endParaRPr>
-          </a:p>
-        </p:txBody>
-      </p:sp>
+            <a:endParaRPr b="0" lang="en-US" sz="1600" spc="-1" strike="noStrike">
+              <a:solidFill>
+                <a:srgbClr val="000000"/>
+              </a:solidFill>
+              <a:uFill>
+                <a:solidFill>
+                  <a:srgbClr val="ffffff"/>
+                </a:solidFill>
+              </a:uFill>
+              <a:latin typeface="Arial"/>
+            </a:endParaRPr>
+          </a:p>
+        </p:txBody>
+      </p:sp>
+      <p:sp>
+        <p:nvSpPr>
+          <p:cNvPr id="48" name="CustomShape 13"/>
+          <p:cNvSpPr/>
+          <p:nvPr/>
+        </p:nvSpPr>
+        <p:spPr>
+          <a:xfrm>
+            <a:off x="3310920" y="5760720"/>
+            <a:ext cx="2536560" cy="541440"/>
+          </a:xfrm>
+          <a:prstGeom prst="rect">
+            <a:avLst/>
+          </a:prstGeom>
+          <a:noFill/>
+          <a:ln>
+            <a:noFill/>
+          </a:ln>
+        </p:spPr>
+        <p:style>
+          <a:lnRef idx="0"/>
+          <a:fillRef idx="0"/>
+          <a:effectRef idx="0"/>
+          <a:fontRef idx="minor"/>
+        </p:style>
+        <p:txBody>
+          <a:bodyPr lIns="90000" rIns="90000" tIns="45000" bIns="45000"/>
+          <a:p>
+            <a:pPr>
+              <a:lnSpc>
+                <a:spcPct val="100000"/>
+              </a:lnSpc>
+            </a:pPr>
+            <a:r>
+              <a:rPr b="0" lang="en-US" sz="1600" spc="-1" strike="noStrike">
+                <a:solidFill>
+                  <a:srgbClr val="000000"/>
+                </a:solidFill>
+                <a:uFill>
+                  <a:solidFill>
+                    <a:srgbClr val="ffffff"/>
+                  </a:solidFill>
+                </a:uFill>
+                <a:latin typeface="Arial"/>
+                <a:ea typeface="DejaVu Sans"/>
+              </a:rPr>
+              <a:t>MPU9250_Master_I2C</a:t>
+            </a:r>
+            <a:endParaRPr b="0" lang="en-US" sz="1600" spc="-1" strike="noStrike">
+              <a:solidFill>
+                <a:srgbClr val="000000"/>
+              </a:solidFill>
+              <a:uFill>
+                <a:solidFill>
+                  <a:srgbClr val="ffffff"/>
+                </a:solidFill>
+              </a:uFill>
+              <a:latin typeface="Arial"/>
+            </a:endParaRPr>
+          </a:p>
+        </p:txBody>
+      </p:sp>
+      <p:sp>
+        <p:nvSpPr>
+          <p:cNvPr id="49" name="CustomShape 14"/>
+          <p:cNvSpPr/>
+          <p:nvPr/>
+        </p:nvSpPr>
+        <p:spPr>
+          <a:xfrm>
+            <a:off x="5568480" y="5760720"/>
+            <a:ext cx="2536560" cy="541440"/>
+          </a:xfrm>
+          <a:prstGeom prst="rect">
+            <a:avLst/>
+          </a:prstGeom>
+          <a:noFill/>
+          <a:ln>
+            <a:noFill/>
+          </a:ln>
+        </p:spPr>
+        <p:style>
+          <a:lnRef idx="0"/>
+          <a:fillRef idx="0"/>
+          <a:effectRef idx="0"/>
+          <a:fontRef idx="minor"/>
+        </p:style>
+        <p:txBody>
+          <a:bodyPr lIns="90000" rIns="90000" tIns="45000" bIns="45000"/>
+          <a:p>
+            <a:pPr>
+              <a:lnSpc>
+                <a:spcPct val="100000"/>
+              </a:lnSpc>
+            </a:pPr>
+            <a:r>
+              <a:rPr b="0" lang="en-US" sz="1600" spc="-1" strike="noStrike">
+                <a:solidFill>
+                  <a:srgbClr val="000000"/>
+                </a:solidFill>
+                <a:uFill>
+                  <a:solidFill>
+                    <a:srgbClr val="ffffff"/>
+                  </a:solidFill>
+                </a:uFill>
+                <a:latin typeface="Arial"/>
+                <a:ea typeface="DejaVu Sans"/>
+              </a:rPr>
+              <a:t>MPU9250_Master_SPI</a:t>
+            </a:r>
+            <a:endParaRPr b="0" lang="en-US" sz="1600" spc="-1" strike="noStrike">
+              <a:solidFill>
+                <a:srgbClr val="000000"/>
+              </a:solidFill>
+              <a:uFill>
+                <a:solidFill>
+                  <a:srgbClr val="ffffff"/>
+                </a:solidFill>
+              </a:uFill>
+              <a:latin typeface="Arial"/>
+            </a:endParaRPr>
+          </a:p>
+        </p:txBody>
+      </p:sp>
+      <p:cxnSp>
+        <p:nvCxnSpPr>
+          <p:cNvPr id="50" name="Line 15"/>
+          <p:cNvCxnSpPr>
+            <a:stCxn id="44" idx="2"/>
+            <a:endCxn id="48" idx="0"/>
+          </p:cNvCxnSpPr>
+          <p:nvPr/>
+        </p:nvCxnSpPr>
+        <p:spPr>
+          <a:xfrm flipH="1">
+            <a:off x="4579200" y="4099320"/>
+            <a:ext cx="1154880" cy="1661760"/>
+          </a:xfrm>
+          <a:prstGeom prst="straightConnector1">
+            <a:avLst/>
+          </a:prstGeom>
+          <a:ln>
+            <a:solidFill>
+              <a:srgbClr val="000000"/>
+            </a:solidFill>
+          </a:ln>
+        </p:spPr>
+      </p:cxnSp>
+      <p:cxnSp>
+        <p:nvCxnSpPr>
+          <p:cNvPr id="51" name="Line 16"/>
+          <p:cNvCxnSpPr>
+            <a:stCxn id="44" idx="2"/>
+            <a:endCxn id="49" idx="0"/>
+          </p:cNvCxnSpPr>
+          <p:nvPr/>
+        </p:nvCxnSpPr>
+        <p:spPr>
+          <a:xfrm>
+            <a:off x="5733720" y="4099320"/>
+            <a:ext cx="1103400" cy="1661760"/>
+          </a:xfrm>
+          <a:prstGeom prst="straightConnector1">
+            <a:avLst/>
+          </a:prstGeom>
+          <a:ln>
+            <a:solidFill>
+              <a:srgbClr val="000000"/>
+            </a:solidFill>
+          </a:ln>
+        </p:spPr>
+      </p:cxnSp>
+      <p:cxnSp>
+        <p:nvCxnSpPr>
+          <p:cNvPr id="52" name="Line 17"/>
+          <p:cNvCxnSpPr>
+            <a:stCxn id="45" idx="0"/>
+            <a:endCxn id="37" idx="2"/>
+          </p:cNvCxnSpPr>
+          <p:nvPr/>
+        </p:nvCxnSpPr>
+        <p:spPr>
+          <a:xfrm flipH="1" flipV="1">
+            <a:off x="6203880" y="2236320"/>
+            <a:ext cx="2837160" cy="3524760"/>
+          </a:xfrm>
+          <a:prstGeom prst="straightConnector1">
+            <a:avLst/>
+          </a:prstGeom>
+          <a:ln>
+            <a:solidFill>
+              <a:srgbClr val="000000"/>
+            </a:solidFill>
+          </a:ln>
+        </p:spPr>
+      </p:cxnSp>
+      <p:cxnSp>
+        <p:nvCxnSpPr>
+          <p:cNvPr id="53" name="Line 18"/>
+          <p:cNvCxnSpPr>
+            <a:stCxn id="38" idx="2"/>
+            <a:endCxn id="39" idx="0"/>
+          </p:cNvCxnSpPr>
+          <p:nvPr/>
+        </p:nvCxnSpPr>
+        <p:spPr>
+          <a:xfrm>
+            <a:off x="1410840" y="2236320"/>
+            <a:ext cx="772200" cy="1471320"/>
+          </a:xfrm>
+          <a:prstGeom prst="straightConnector1">
+            <a:avLst/>
+          </a:prstGeom>
+          <a:ln>
+            <a:solidFill>
+              <a:srgbClr val="000000"/>
+            </a:solidFill>
+          </a:ln>
+        </p:spPr>
+      </p:cxnSp>
+      <p:cxnSp>
+        <p:nvCxnSpPr>
+          <p:cNvPr id="54" name="Line 19"/>
+          <p:cNvCxnSpPr>
+            <a:stCxn id="38" idx="2"/>
+            <a:endCxn id="41" idx="0"/>
+          </p:cNvCxnSpPr>
+          <p:nvPr/>
+        </p:nvCxnSpPr>
+        <p:spPr>
+          <a:xfrm flipH="1">
+            <a:off x="719640" y="2236320"/>
+            <a:ext cx="691560" cy="3524760"/>
+          </a:xfrm>
+          <a:prstGeom prst="straightConnector1">
+            <a:avLst/>
+          </a:prstGeom>
+          <a:ln>
+            <a:solidFill>
+              <a:srgbClr val="000000"/>
+            </a:solidFill>
+          </a:ln>
+        </p:spPr>
+      </p:cxnSp>
+      <p:cxnSp>
+        <p:nvCxnSpPr>
+          <p:cNvPr id="55" name="Line 20"/>
+          <p:cNvCxnSpPr>
+            <a:stCxn id="39" idx="2"/>
+            <a:endCxn id="40" idx="0"/>
+          </p:cNvCxnSpPr>
+          <p:nvPr/>
+        </p:nvCxnSpPr>
+        <p:spPr>
+          <a:xfrm flipH="1">
+            <a:off x="1732680" y="4023360"/>
+            <a:ext cx="450360" cy="1737720"/>
+          </a:xfrm>
+          <a:prstGeom prst="straightConnector1">
+            <a:avLst/>
+          </a:prstGeom>
+          <a:ln>
+            <a:solidFill>
+              <a:srgbClr val="000000"/>
+            </a:solidFill>
+          </a:ln>
+        </p:spPr>
+      </p:cxnSp>
+      <p:cxnSp>
+        <p:nvCxnSpPr>
+          <p:cNvPr id="56" name="Line 21"/>
+          <p:cNvCxnSpPr>
+            <a:stCxn id="39" idx="2"/>
+            <a:endCxn id="42" idx="0"/>
+          </p:cNvCxnSpPr>
+          <p:nvPr/>
+        </p:nvCxnSpPr>
+        <p:spPr>
+          <a:xfrm>
+            <a:off x="2182680" y="4023360"/>
+            <a:ext cx="544320" cy="1737720"/>
+          </a:xfrm>
+          <a:prstGeom prst="straightConnector1">
+            <a:avLst/>
+          </a:prstGeom>
+          <a:ln>
+            <a:solidFill>
+              <a:srgbClr val="000000"/>
+            </a:solidFill>
+          </a:ln>
+        </p:spPr>
+      </p:cxnSp>
+      <p:cxnSp>
+        <p:nvCxnSpPr>
+          <p:cNvPr id="57" name="Line 22"/>
+          <p:cNvCxnSpPr>
+            <a:stCxn id="38" idx="0"/>
+            <a:endCxn id="36" idx="2"/>
+          </p:cNvCxnSpPr>
+          <p:nvPr/>
+        </p:nvCxnSpPr>
+        <p:spPr>
+          <a:xfrm flipV="1">
+            <a:off x="1410840" y="637560"/>
+            <a:ext cx="2964600" cy="1283040"/>
+          </a:xfrm>
+          <a:prstGeom prst="straightConnector1">
+            <a:avLst/>
+          </a:prstGeom>
+          <a:ln>
+            <a:solidFill>
+              <a:srgbClr val="000000"/>
+            </a:solidFill>
+          </a:ln>
+        </p:spPr>
+      </p:cxnSp>
+      <p:cxnSp>
+        <p:nvCxnSpPr>
+          <p:cNvPr id="58" name="Line 23"/>
+          <p:cNvCxnSpPr>
+            <a:stCxn id="37" idx="2"/>
+            <a:endCxn id="44" idx="0"/>
+          </p:cNvCxnSpPr>
+          <p:nvPr/>
+        </p:nvCxnSpPr>
+        <p:spPr>
+          <a:xfrm flipH="1">
+            <a:off x="5733720" y="2236320"/>
+            <a:ext cx="470520" cy="1467360"/>
+          </a:xfrm>
+          <a:prstGeom prst="straightConnector1">
+            <a:avLst/>
+          </a:prstGeom>
+          <a:ln>
+            <a:solidFill>
+              <a:srgbClr val="000000"/>
+            </a:solidFill>
+          </a:ln>
+        </p:spPr>
+      </p:cxnSp>
     </p:spTree>
   </p:cSld>
   <p:timing>
